--- a/presentation.pptx
+++ b/presentation.pptx
@@ -3589,7 +3589,7 @@
           <a:p>
             <a:fld id="{5689E7F8-8363-184B-BAEC-54039AAAB851}" type="datetimeFigureOut">
               <a:rPr lang="en-BR" smtClean="0"/>
-              <a:t>22/06/20</a:t>
+              <a:t>23/06/20</a:t>
             </a:fld>
             <a:endParaRPr lang="en-BR"/>
           </a:p>
@@ -9561,7 +9561,7 @@
                 <a:latin typeface="Arial"/>
                 <a:ea typeface="Calibri"/>
               </a:rPr>
-              <a:t>classificada em 5 estágios, sendo o mais comum, tremores e dificuldades para se locomover</a:t>
+              <a:t>classificada em 5 estágios, tendo como sintomas mais comuns, os tremores e dificuldades de locomoção</a:t>
             </a:r>
           </a:p>
           <a:p>
